--- a/Presentazione Progetto NES.pptx
+++ b/Presentazione Progetto NES.pptx
@@ -307,7 +307,7 @@
           <a:p>
             <a:fld id="{C4591DE4-B87A-435F-B530-91CC204D1EDC}" type="datetimeFigureOut">
               <a:rPr lang="it-IT" smtClean="0"/>
-              <a:t>27/10/2015</a:t>
+              <a:t>28/10/2015</a:t>
             </a:fld>
             <a:endParaRPr lang="it-IT"/>
           </a:p>
@@ -477,7 +477,7 @@
           <a:p>
             <a:fld id="{C4591DE4-B87A-435F-B530-91CC204D1EDC}" type="datetimeFigureOut">
               <a:rPr lang="it-IT" smtClean="0"/>
-              <a:t>27/10/2015</a:t>
+              <a:t>28/10/2015</a:t>
             </a:fld>
             <a:endParaRPr lang="it-IT"/>
           </a:p>
@@ -657,7 +657,7 @@
           <a:p>
             <a:fld id="{C4591DE4-B87A-435F-B530-91CC204D1EDC}" type="datetimeFigureOut">
               <a:rPr lang="it-IT" smtClean="0"/>
-              <a:t>27/10/2015</a:t>
+              <a:t>28/10/2015</a:t>
             </a:fld>
             <a:endParaRPr lang="it-IT"/>
           </a:p>
@@ -827,7 +827,7 @@
           <a:p>
             <a:fld id="{C4591DE4-B87A-435F-B530-91CC204D1EDC}" type="datetimeFigureOut">
               <a:rPr lang="it-IT" smtClean="0"/>
-              <a:t>27/10/2015</a:t>
+              <a:t>28/10/2015</a:t>
             </a:fld>
             <a:endParaRPr lang="it-IT"/>
           </a:p>
@@ -1080,7 +1080,7 @@
           <a:p>
             <a:fld id="{C4591DE4-B87A-435F-B530-91CC204D1EDC}" type="datetimeFigureOut">
               <a:rPr lang="it-IT" smtClean="0"/>
-              <a:t>27/10/2015</a:t>
+              <a:t>28/10/2015</a:t>
             </a:fld>
             <a:endParaRPr lang="it-IT"/>
           </a:p>
@@ -1368,7 +1368,7 @@
           <a:p>
             <a:fld id="{C4591DE4-B87A-435F-B530-91CC204D1EDC}" type="datetimeFigureOut">
               <a:rPr lang="it-IT" smtClean="0"/>
-              <a:t>27/10/2015</a:t>
+              <a:t>28/10/2015</a:t>
             </a:fld>
             <a:endParaRPr lang="it-IT"/>
           </a:p>
@@ -1790,7 +1790,7 @@
           <a:p>
             <a:fld id="{C4591DE4-B87A-435F-B530-91CC204D1EDC}" type="datetimeFigureOut">
               <a:rPr lang="it-IT" smtClean="0"/>
-              <a:t>27/10/2015</a:t>
+              <a:t>28/10/2015</a:t>
             </a:fld>
             <a:endParaRPr lang="it-IT"/>
           </a:p>
@@ -1908,7 +1908,7 @@
           <a:p>
             <a:fld id="{C4591DE4-B87A-435F-B530-91CC204D1EDC}" type="datetimeFigureOut">
               <a:rPr lang="it-IT" smtClean="0"/>
-              <a:t>27/10/2015</a:t>
+              <a:t>28/10/2015</a:t>
             </a:fld>
             <a:endParaRPr lang="it-IT"/>
           </a:p>
@@ -2003,7 +2003,7 @@
           <a:p>
             <a:fld id="{C4591DE4-B87A-435F-B530-91CC204D1EDC}" type="datetimeFigureOut">
               <a:rPr lang="it-IT" smtClean="0"/>
-              <a:t>27/10/2015</a:t>
+              <a:t>28/10/2015</a:t>
             </a:fld>
             <a:endParaRPr lang="it-IT"/>
           </a:p>
@@ -2280,7 +2280,7 @@
           <a:p>
             <a:fld id="{C4591DE4-B87A-435F-B530-91CC204D1EDC}" type="datetimeFigureOut">
               <a:rPr lang="it-IT" smtClean="0"/>
-              <a:t>27/10/2015</a:t>
+              <a:t>28/10/2015</a:t>
             </a:fld>
             <a:endParaRPr lang="it-IT"/>
           </a:p>
@@ -2533,7 +2533,7 @@
           <a:p>
             <a:fld id="{C4591DE4-B87A-435F-B530-91CC204D1EDC}" type="datetimeFigureOut">
               <a:rPr lang="it-IT" smtClean="0"/>
-              <a:t>27/10/2015</a:t>
+              <a:t>28/10/2015</a:t>
             </a:fld>
             <a:endParaRPr lang="it-IT"/>
           </a:p>
@@ -2746,7 +2746,7 @@
           <a:p>
             <a:fld id="{C4591DE4-B87A-435F-B530-91CC204D1EDC}" type="datetimeFigureOut">
               <a:rPr lang="it-IT" smtClean="0"/>
-              <a:t>27/10/2015</a:t>
+              <a:t>28/10/2015</a:t>
             </a:fld>
             <a:endParaRPr lang="it-IT"/>
           </a:p>
@@ -6963,11 +6963,7 @@
             </a:r>
             <a:r>
               <a:rPr lang="it-IT" smtClean="0"/>
-              <a:t>e </a:t>
-            </a:r>
-            <a:r>
-              <a:rPr lang="it-IT" smtClean="0"/>
-              <a:t>1W</a:t>
+              <a:t>e 1W</a:t>
             </a:r>
             <a:r>
               <a:rPr lang="it-IT" dirty="0" smtClean="0"/>
@@ -7847,6 +7843,10 @@
           <a:bodyPr/>
           <a:lstStyle/>
           <a:p>
+            <a:r>
+              <a:rPr lang="it-IT" dirty="0" smtClean="0"/>
+              <a:t>780 x 470</a:t>
+            </a:r>
             <a:endParaRPr lang="it-IT" dirty="0"/>
           </a:p>
         </p:txBody>

--- a/Presentazione Progetto NES.pptx
+++ b/Presentazione Progetto NES.pptx
@@ -307,7 +307,7 @@
           <a:p>
             <a:fld id="{C4591DE4-B87A-435F-B530-91CC204D1EDC}" type="datetimeFigureOut">
               <a:rPr lang="it-IT" smtClean="0"/>
-              <a:t>28/10/2015</a:t>
+              <a:t>03/11/2015</a:t>
             </a:fld>
             <a:endParaRPr lang="it-IT"/>
           </a:p>
@@ -477,7 +477,7 @@
           <a:p>
             <a:fld id="{C4591DE4-B87A-435F-B530-91CC204D1EDC}" type="datetimeFigureOut">
               <a:rPr lang="it-IT" smtClean="0"/>
-              <a:t>28/10/2015</a:t>
+              <a:t>03/11/2015</a:t>
             </a:fld>
             <a:endParaRPr lang="it-IT"/>
           </a:p>
@@ -657,7 +657,7 @@
           <a:p>
             <a:fld id="{C4591DE4-B87A-435F-B530-91CC204D1EDC}" type="datetimeFigureOut">
               <a:rPr lang="it-IT" smtClean="0"/>
-              <a:t>28/10/2015</a:t>
+              <a:t>03/11/2015</a:t>
             </a:fld>
             <a:endParaRPr lang="it-IT"/>
           </a:p>
@@ -827,7 +827,7 @@
           <a:p>
             <a:fld id="{C4591DE4-B87A-435F-B530-91CC204D1EDC}" type="datetimeFigureOut">
               <a:rPr lang="it-IT" smtClean="0"/>
-              <a:t>28/10/2015</a:t>
+              <a:t>03/11/2015</a:t>
             </a:fld>
             <a:endParaRPr lang="it-IT"/>
           </a:p>
@@ -1080,7 +1080,7 @@
           <a:p>
             <a:fld id="{C4591DE4-B87A-435F-B530-91CC204D1EDC}" type="datetimeFigureOut">
               <a:rPr lang="it-IT" smtClean="0"/>
-              <a:t>28/10/2015</a:t>
+              <a:t>03/11/2015</a:t>
             </a:fld>
             <a:endParaRPr lang="it-IT"/>
           </a:p>
@@ -1368,7 +1368,7 @@
           <a:p>
             <a:fld id="{C4591DE4-B87A-435F-B530-91CC204D1EDC}" type="datetimeFigureOut">
               <a:rPr lang="it-IT" smtClean="0"/>
-              <a:t>28/10/2015</a:t>
+              <a:t>03/11/2015</a:t>
             </a:fld>
             <a:endParaRPr lang="it-IT"/>
           </a:p>
@@ -1790,7 +1790,7 @@
           <a:p>
             <a:fld id="{C4591DE4-B87A-435F-B530-91CC204D1EDC}" type="datetimeFigureOut">
               <a:rPr lang="it-IT" smtClean="0"/>
-              <a:t>28/10/2015</a:t>
+              <a:t>03/11/2015</a:t>
             </a:fld>
             <a:endParaRPr lang="it-IT"/>
           </a:p>
@@ -1908,7 +1908,7 @@
           <a:p>
             <a:fld id="{C4591DE4-B87A-435F-B530-91CC204D1EDC}" type="datetimeFigureOut">
               <a:rPr lang="it-IT" smtClean="0"/>
-              <a:t>28/10/2015</a:t>
+              <a:t>03/11/2015</a:t>
             </a:fld>
             <a:endParaRPr lang="it-IT"/>
           </a:p>
@@ -2003,7 +2003,7 @@
           <a:p>
             <a:fld id="{C4591DE4-B87A-435F-B530-91CC204D1EDC}" type="datetimeFigureOut">
               <a:rPr lang="it-IT" smtClean="0"/>
-              <a:t>28/10/2015</a:t>
+              <a:t>03/11/2015</a:t>
             </a:fld>
             <a:endParaRPr lang="it-IT"/>
           </a:p>
@@ -2280,7 +2280,7 @@
           <a:p>
             <a:fld id="{C4591DE4-B87A-435F-B530-91CC204D1EDC}" type="datetimeFigureOut">
               <a:rPr lang="it-IT" smtClean="0"/>
-              <a:t>28/10/2015</a:t>
+              <a:t>03/11/2015</a:t>
             </a:fld>
             <a:endParaRPr lang="it-IT"/>
           </a:p>
@@ -2533,7 +2533,7 @@
           <a:p>
             <a:fld id="{C4591DE4-B87A-435F-B530-91CC204D1EDC}" type="datetimeFigureOut">
               <a:rPr lang="it-IT" smtClean="0"/>
-              <a:t>28/10/2015</a:t>
+              <a:t>03/11/2015</a:t>
             </a:fld>
             <a:endParaRPr lang="it-IT"/>
           </a:p>
@@ -2746,7 +2746,7 @@
           <a:p>
             <a:fld id="{C4591DE4-B87A-435F-B530-91CC204D1EDC}" type="datetimeFigureOut">
               <a:rPr lang="it-IT" smtClean="0"/>
-              <a:t>28/10/2015</a:t>
+              <a:t>03/11/2015</a:t>
             </a:fld>
             <a:endParaRPr lang="it-IT"/>
           </a:p>
@@ -7845,7 +7845,7 @@
           <a:p>
             <a:r>
               <a:rPr lang="it-IT" dirty="0" smtClean="0"/>
-              <a:t>780 x 470</a:t>
+              <a:t>TODO</a:t>
             </a:r>
             <a:endParaRPr lang="it-IT" dirty="0"/>
           </a:p>
